--- a/Presentation.pptx
+++ b/Presentation.pptx
@@ -7,6 +7,13 @@
   <p:sldIdLst>
     <p:sldId id="256" r:id="rId2"/>
     <p:sldId id="257" r:id="rId3"/>
+    <p:sldId id="258" r:id="rId4"/>
+    <p:sldId id="259" r:id="rId5"/>
+    <p:sldId id="260" r:id="rId6"/>
+    <p:sldId id="261" r:id="rId7"/>
+    <p:sldId id="262" r:id="rId8"/>
+    <p:sldId id="263" r:id="rId9"/>
+    <p:sldId id="264" r:id="rId10"/>
   </p:sldIdLst>
   <p:sldSz cx="12192000" cy="6858000"/>
   <p:notesSz cx="6858000" cy="9144000"/>
@@ -3501,12 +3508,1121 @@
             <p:ph idx="1"/>
           </p:nvPr>
         </p:nvSpPr>
-        <p:spPr/>
-        <p:txBody>
-          <a:bodyPr/>
-          <a:lstStyle/>
-          <a:p>
-            <a:endParaRPr lang="fr-FR"/>
+        <p:spPr>
+          <a:xfrm>
+            <a:off x="838200" y="1825625"/>
+            <a:ext cx="10515600" cy="515239"/>
+          </a:xfrm>
+        </p:spPr>
+        <p:txBody>
+          <a:bodyPr/>
+          <a:lstStyle/>
+          <a:p>
+            <a:pPr marL="0" indent="0">
+              <a:buNone/>
+            </a:pPr>
+            <a:r>
+              <a:rPr lang="fr-FR" dirty="0"/>
+              <a:t>Introduction</a:t>
+            </a:r>
+          </a:p>
+          <a:p>
+            <a:pPr marL="0" indent="0">
+              <a:buNone/>
+            </a:pPr>
+            <a:endParaRPr lang="fr-FR" dirty="0"/>
+          </a:p>
+        </p:txBody>
+      </p:sp>
+      <p:sp>
+        <p:nvSpPr>
+          <p:cNvPr id="8" name="Content Placeholder 2">
+            <a:extLst>
+              <a:ext uri="{FF2B5EF4-FFF2-40B4-BE49-F238E27FC236}">
+                <a16:creationId xmlns:a16="http://schemas.microsoft.com/office/drawing/2014/main" id="{C6856A1D-1093-D8DC-98A1-F90C970F6D36}"/>
+              </a:ext>
+            </a:extLst>
+          </p:cNvPr>
+          <p:cNvSpPr txBox="1">
+            <a:spLocks/>
+          </p:cNvSpPr>
+          <p:nvPr/>
+        </p:nvSpPr>
+        <p:spPr>
+          <a:xfrm>
+            <a:off x="838200" y="2340864"/>
+            <a:ext cx="10515600" cy="515239"/>
+          </a:xfrm>
+          <a:prstGeom prst="rect">
+            <a:avLst/>
+          </a:prstGeom>
+        </p:spPr>
+        <p:txBody>
+          <a:bodyPr vert="horz" lIns="91440" tIns="45720" rIns="91440" bIns="45720" rtlCol="0">
+            <a:normAutofit/>
+          </a:bodyPr>
+          <a:lstStyle>
+            <a:lvl1pPr marL="228600" indent="-228600" algn="l" defTabSz="914400" rtl="0" eaLnBrk="1" latinLnBrk="0" hangingPunct="1">
+              <a:lnSpc>
+                <a:spcPct val="90000"/>
+              </a:lnSpc>
+              <a:spcBef>
+                <a:spcPts val="1000"/>
+              </a:spcBef>
+              <a:buFont typeface="Arial" panose="020B0604020202020204" pitchFamily="34" charset="0"/>
+              <a:buChar char="•"/>
+              <a:defRPr sz="2800" kern="1200">
+                <a:solidFill>
+                  <a:schemeClr val="tx1"/>
+                </a:solidFill>
+                <a:latin typeface="+mn-lt"/>
+                <a:ea typeface="+mn-ea"/>
+                <a:cs typeface="+mn-cs"/>
+              </a:defRPr>
+            </a:lvl1pPr>
+            <a:lvl2pPr marL="685800" indent="-228600" algn="l" defTabSz="914400" rtl="0" eaLnBrk="1" latinLnBrk="0" hangingPunct="1">
+              <a:lnSpc>
+                <a:spcPct val="90000"/>
+              </a:lnSpc>
+              <a:spcBef>
+                <a:spcPts val="500"/>
+              </a:spcBef>
+              <a:buFont typeface="Arial" panose="020B0604020202020204" pitchFamily="34" charset="0"/>
+              <a:buChar char="•"/>
+              <a:defRPr sz="2400" kern="1200">
+                <a:solidFill>
+                  <a:schemeClr val="tx1"/>
+                </a:solidFill>
+                <a:latin typeface="+mn-lt"/>
+                <a:ea typeface="+mn-ea"/>
+                <a:cs typeface="+mn-cs"/>
+              </a:defRPr>
+            </a:lvl2pPr>
+            <a:lvl3pPr marL="1143000" indent="-228600" algn="l" defTabSz="914400" rtl="0" eaLnBrk="1" latinLnBrk="0" hangingPunct="1">
+              <a:lnSpc>
+                <a:spcPct val="90000"/>
+              </a:lnSpc>
+              <a:spcBef>
+                <a:spcPts val="500"/>
+              </a:spcBef>
+              <a:buFont typeface="Arial" panose="020B0604020202020204" pitchFamily="34" charset="0"/>
+              <a:buChar char="•"/>
+              <a:defRPr sz="2000" kern="1200">
+                <a:solidFill>
+                  <a:schemeClr val="tx1"/>
+                </a:solidFill>
+                <a:latin typeface="+mn-lt"/>
+                <a:ea typeface="+mn-ea"/>
+                <a:cs typeface="+mn-cs"/>
+              </a:defRPr>
+            </a:lvl3pPr>
+            <a:lvl4pPr marL="1600200" indent="-228600" algn="l" defTabSz="914400" rtl="0" eaLnBrk="1" latinLnBrk="0" hangingPunct="1">
+              <a:lnSpc>
+                <a:spcPct val="90000"/>
+              </a:lnSpc>
+              <a:spcBef>
+                <a:spcPts val="500"/>
+              </a:spcBef>
+              <a:buFont typeface="Arial" panose="020B0604020202020204" pitchFamily="34" charset="0"/>
+              <a:buChar char="•"/>
+              <a:defRPr sz="1800" kern="1200">
+                <a:solidFill>
+                  <a:schemeClr val="tx1"/>
+                </a:solidFill>
+                <a:latin typeface="+mn-lt"/>
+                <a:ea typeface="+mn-ea"/>
+                <a:cs typeface="+mn-cs"/>
+              </a:defRPr>
+            </a:lvl4pPr>
+            <a:lvl5pPr marL="2057400" indent="-228600" algn="l" defTabSz="914400" rtl="0" eaLnBrk="1" latinLnBrk="0" hangingPunct="1">
+              <a:lnSpc>
+                <a:spcPct val="90000"/>
+              </a:lnSpc>
+              <a:spcBef>
+                <a:spcPts val="500"/>
+              </a:spcBef>
+              <a:buFont typeface="Arial" panose="020B0604020202020204" pitchFamily="34" charset="0"/>
+              <a:buChar char="•"/>
+              <a:defRPr sz="1800" kern="1200">
+                <a:solidFill>
+                  <a:schemeClr val="tx1"/>
+                </a:solidFill>
+                <a:latin typeface="+mn-lt"/>
+                <a:ea typeface="+mn-ea"/>
+                <a:cs typeface="+mn-cs"/>
+              </a:defRPr>
+            </a:lvl5pPr>
+            <a:lvl6pPr marL="2514600" indent="-228600" algn="l" defTabSz="914400" rtl="0" eaLnBrk="1" latinLnBrk="0" hangingPunct="1">
+              <a:lnSpc>
+                <a:spcPct val="90000"/>
+              </a:lnSpc>
+              <a:spcBef>
+                <a:spcPts val="500"/>
+              </a:spcBef>
+              <a:buFont typeface="Arial" panose="020B0604020202020204" pitchFamily="34" charset="0"/>
+              <a:buChar char="•"/>
+              <a:defRPr sz="1800" kern="1200">
+                <a:solidFill>
+                  <a:schemeClr val="tx1"/>
+                </a:solidFill>
+                <a:latin typeface="+mn-lt"/>
+                <a:ea typeface="+mn-ea"/>
+                <a:cs typeface="+mn-cs"/>
+              </a:defRPr>
+            </a:lvl6pPr>
+            <a:lvl7pPr marL="2971800" indent="-228600" algn="l" defTabSz="914400" rtl="0" eaLnBrk="1" latinLnBrk="0" hangingPunct="1">
+              <a:lnSpc>
+                <a:spcPct val="90000"/>
+              </a:lnSpc>
+              <a:spcBef>
+                <a:spcPts val="500"/>
+              </a:spcBef>
+              <a:buFont typeface="Arial" panose="020B0604020202020204" pitchFamily="34" charset="0"/>
+              <a:buChar char="•"/>
+              <a:defRPr sz="1800" kern="1200">
+                <a:solidFill>
+                  <a:schemeClr val="tx1"/>
+                </a:solidFill>
+                <a:latin typeface="+mn-lt"/>
+                <a:ea typeface="+mn-ea"/>
+                <a:cs typeface="+mn-cs"/>
+              </a:defRPr>
+            </a:lvl7pPr>
+            <a:lvl8pPr marL="3429000" indent="-228600" algn="l" defTabSz="914400" rtl="0" eaLnBrk="1" latinLnBrk="0" hangingPunct="1">
+              <a:lnSpc>
+                <a:spcPct val="90000"/>
+              </a:lnSpc>
+              <a:spcBef>
+                <a:spcPts val="500"/>
+              </a:spcBef>
+              <a:buFont typeface="Arial" panose="020B0604020202020204" pitchFamily="34" charset="0"/>
+              <a:buChar char="•"/>
+              <a:defRPr sz="1800" kern="1200">
+                <a:solidFill>
+                  <a:schemeClr val="tx1"/>
+                </a:solidFill>
+                <a:latin typeface="+mn-lt"/>
+                <a:ea typeface="+mn-ea"/>
+                <a:cs typeface="+mn-cs"/>
+              </a:defRPr>
+            </a:lvl8pPr>
+            <a:lvl9pPr marL="3886200" indent="-228600" algn="l" defTabSz="914400" rtl="0" eaLnBrk="1" latinLnBrk="0" hangingPunct="1">
+              <a:lnSpc>
+                <a:spcPct val="90000"/>
+              </a:lnSpc>
+              <a:spcBef>
+                <a:spcPts val="500"/>
+              </a:spcBef>
+              <a:buFont typeface="Arial" panose="020B0604020202020204" pitchFamily="34" charset="0"/>
+              <a:buChar char="•"/>
+              <a:defRPr sz="1800" kern="1200">
+                <a:solidFill>
+                  <a:schemeClr val="tx1"/>
+                </a:solidFill>
+                <a:latin typeface="+mn-lt"/>
+                <a:ea typeface="+mn-ea"/>
+                <a:cs typeface="+mn-cs"/>
+              </a:defRPr>
+            </a:lvl9pPr>
+          </a:lstStyle>
+          <a:p>
+            <a:pPr marL="0" indent="0">
+              <a:buFont typeface="Arial" panose="020B0604020202020204" pitchFamily="34" charset="0"/>
+              <a:buNone/>
+            </a:pPr>
+            <a:r>
+              <a:rPr lang="fr-FR" dirty="0"/>
+              <a:t>Communication Écrite</a:t>
+            </a:r>
+          </a:p>
+          <a:p>
+            <a:pPr marL="0" indent="0">
+              <a:buFont typeface="Arial" panose="020B0604020202020204" pitchFamily="34" charset="0"/>
+              <a:buNone/>
+            </a:pPr>
+            <a:endParaRPr lang="fr-FR" dirty="0"/>
+          </a:p>
+          <a:p>
+            <a:pPr marL="0" indent="0">
+              <a:buFont typeface="Arial" panose="020B0604020202020204" pitchFamily="34" charset="0"/>
+              <a:buNone/>
+            </a:pPr>
+            <a:endParaRPr lang="fr-FR" dirty="0"/>
+          </a:p>
+          <a:p>
+            <a:pPr marL="0" indent="0">
+              <a:buFont typeface="Arial" panose="020B0604020202020204" pitchFamily="34" charset="0"/>
+              <a:buNone/>
+            </a:pPr>
+            <a:endParaRPr lang="fr-FR" dirty="0"/>
+          </a:p>
+        </p:txBody>
+      </p:sp>
+      <p:sp>
+        <p:nvSpPr>
+          <p:cNvPr id="9" name="Content Placeholder 2">
+            <a:extLst>
+              <a:ext uri="{FF2B5EF4-FFF2-40B4-BE49-F238E27FC236}">
+                <a16:creationId xmlns:a16="http://schemas.microsoft.com/office/drawing/2014/main" id="{617D4F48-37FE-E48F-3C76-C06ECD3E4B9F}"/>
+              </a:ext>
+            </a:extLst>
+          </p:cNvPr>
+          <p:cNvSpPr txBox="1">
+            <a:spLocks/>
+          </p:cNvSpPr>
+          <p:nvPr/>
+        </p:nvSpPr>
+        <p:spPr>
+          <a:xfrm>
+            <a:off x="838200" y="2856103"/>
+            <a:ext cx="10515600" cy="515239"/>
+          </a:xfrm>
+          <a:prstGeom prst="rect">
+            <a:avLst/>
+          </a:prstGeom>
+        </p:spPr>
+        <p:txBody>
+          <a:bodyPr vert="horz" lIns="91440" tIns="45720" rIns="91440" bIns="45720" rtlCol="0">
+            <a:normAutofit/>
+          </a:bodyPr>
+          <a:lstStyle>
+            <a:lvl1pPr marL="228600" indent="-228600" algn="l" defTabSz="914400" rtl="0" eaLnBrk="1" latinLnBrk="0" hangingPunct="1">
+              <a:lnSpc>
+                <a:spcPct val="90000"/>
+              </a:lnSpc>
+              <a:spcBef>
+                <a:spcPts val="1000"/>
+              </a:spcBef>
+              <a:buFont typeface="Arial" panose="020B0604020202020204" pitchFamily="34" charset="0"/>
+              <a:buChar char="•"/>
+              <a:defRPr sz="2800" kern="1200">
+                <a:solidFill>
+                  <a:schemeClr val="tx1"/>
+                </a:solidFill>
+                <a:latin typeface="+mn-lt"/>
+                <a:ea typeface="+mn-ea"/>
+                <a:cs typeface="+mn-cs"/>
+              </a:defRPr>
+            </a:lvl1pPr>
+            <a:lvl2pPr marL="685800" indent="-228600" algn="l" defTabSz="914400" rtl="0" eaLnBrk="1" latinLnBrk="0" hangingPunct="1">
+              <a:lnSpc>
+                <a:spcPct val="90000"/>
+              </a:lnSpc>
+              <a:spcBef>
+                <a:spcPts val="500"/>
+              </a:spcBef>
+              <a:buFont typeface="Arial" panose="020B0604020202020204" pitchFamily="34" charset="0"/>
+              <a:buChar char="•"/>
+              <a:defRPr sz="2400" kern="1200">
+                <a:solidFill>
+                  <a:schemeClr val="tx1"/>
+                </a:solidFill>
+                <a:latin typeface="+mn-lt"/>
+                <a:ea typeface="+mn-ea"/>
+                <a:cs typeface="+mn-cs"/>
+              </a:defRPr>
+            </a:lvl2pPr>
+            <a:lvl3pPr marL="1143000" indent="-228600" algn="l" defTabSz="914400" rtl="0" eaLnBrk="1" latinLnBrk="0" hangingPunct="1">
+              <a:lnSpc>
+                <a:spcPct val="90000"/>
+              </a:lnSpc>
+              <a:spcBef>
+                <a:spcPts val="500"/>
+              </a:spcBef>
+              <a:buFont typeface="Arial" panose="020B0604020202020204" pitchFamily="34" charset="0"/>
+              <a:buChar char="•"/>
+              <a:defRPr sz="2000" kern="1200">
+                <a:solidFill>
+                  <a:schemeClr val="tx1"/>
+                </a:solidFill>
+                <a:latin typeface="+mn-lt"/>
+                <a:ea typeface="+mn-ea"/>
+                <a:cs typeface="+mn-cs"/>
+              </a:defRPr>
+            </a:lvl3pPr>
+            <a:lvl4pPr marL="1600200" indent="-228600" algn="l" defTabSz="914400" rtl="0" eaLnBrk="1" latinLnBrk="0" hangingPunct="1">
+              <a:lnSpc>
+                <a:spcPct val="90000"/>
+              </a:lnSpc>
+              <a:spcBef>
+                <a:spcPts val="500"/>
+              </a:spcBef>
+              <a:buFont typeface="Arial" panose="020B0604020202020204" pitchFamily="34" charset="0"/>
+              <a:buChar char="•"/>
+              <a:defRPr sz="1800" kern="1200">
+                <a:solidFill>
+                  <a:schemeClr val="tx1"/>
+                </a:solidFill>
+                <a:latin typeface="+mn-lt"/>
+                <a:ea typeface="+mn-ea"/>
+                <a:cs typeface="+mn-cs"/>
+              </a:defRPr>
+            </a:lvl4pPr>
+            <a:lvl5pPr marL="2057400" indent="-228600" algn="l" defTabSz="914400" rtl="0" eaLnBrk="1" latinLnBrk="0" hangingPunct="1">
+              <a:lnSpc>
+                <a:spcPct val="90000"/>
+              </a:lnSpc>
+              <a:spcBef>
+                <a:spcPts val="500"/>
+              </a:spcBef>
+              <a:buFont typeface="Arial" panose="020B0604020202020204" pitchFamily="34" charset="0"/>
+              <a:buChar char="•"/>
+              <a:defRPr sz="1800" kern="1200">
+                <a:solidFill>
+                  <a:schemeClr val="tx1"/>
+                </a:solidFill>
+                <a:latin typeface="+mn-lt"/>
+                <a:ea typeface="+mn-ea"/>
+                <a:cs typeface="+mn-cs"/>
+              </a:defRPr>
+            </a:lvl5pPr>
+            <a:lvl6pPr marL="2514600" indent="-228600" algn="l" defTabSz="914400" rtl="0" eaLnBrk="1" latinLnBrk="0" hangingPunct="1">
+              <a:lnSpc>
+                <a:spcPct val="90000"/>
+              </a:lnSpc>
+              <a:spcBef>
+                <a:spcPts val="500"/>
+              </a:spcBef>
+              <a:buFont typeface="Arial" panose="020B0604020202020204" pitchFamily="34" charset="0"/>
+              <a:buChar char="•"/>
+              <a:defRPr sz="1800" kern="1200">
+                <a:solidFill>
+                  <a:schemeClr val="tx1"/>
+                </a:solidFill>
+                <a:latin typeface="+mn-lt"/>
+                <a:ea typeface="+mn-ea"/>
+                <a:cs typeface="+mn-cs"/>
+              </a:defRPr>
+            </a:lvl6pPr>
+            <a:lvl7pPr marL="2971800" indent="-228600" algn="l" defTabSz="914400" rtl="0" eaLnBrk="1" latinLnBrk="0" hangingPunct="1">
+              <a:lnSpc>
+                <a:spcPct val="90000"/>
+              </a:lnSpc>
+              <a:spcBef>
+                <a:spcPts val="500"/>
+              </a:spcBef>
+              <a:buFont typeface="Arial" panose="020B0604020202020204" pitchFamily="34" charset="0"/>
+              <a:buChar char="•"/>
+              <a:defRPr sz="1800" kern="1200">
+                <a:solidFill>
+                  <a:schemeClr val="tx1"/>
+                </a:solidFill>
+                <a:latin typeface="+mn-lt"/>
+                <a:ea typeface="+mn-ea"/>
+                <a:cs typeface="+mn-cs"/>
+              </a:defRPr>
+            </a:lvl7pPr>
+            <a:lvl8pPr marL="3429000" indent="-228600" algn="l" defTabSz="914400" rtl="0" eaLnBrk="1" latinLnBrk="0" hangingPunct="1">
+              <a:lnSpc>
+                <a:spcPct val="90000"/>
+              </a:lnSpc>
+              <a:spcBef>
+                <a:spcPts val="500"/>
+              </a:spcBef>
+              <a:buFont typeface="Arial" panose="020B0604020202020204" pitchFamily="34" charset="0"/>
+              <a:buChar char="•"/>
+              <a:defRPr sz="1800" kern="1200">
+                <a:solidFill>
+                  <a:schemeClr val="tx1"/>
+                </a:solidFill>
+                <a:latin typeface="+mn-lt"/>
+                <a:ea typeface="+mn-ea"/>
+                <a:cs typeface="+mn-cs"/>
+              </a:defRPr>
+            </a:lvl8pPr>
+            <a:lvl9pPr marL="3886200" indent="-228600" algn="l" defTabSz="914400" rtl="0" eaLnBrk="1" latinLnBrk="0" hangingPunct="1">
+              <a:lnSpc>
+                <a:spcPct val="90000"/>
+              </a:lnSpc>
+              <a:spcBef>
+                <a:spcPts val="500"/>
+              </a:spcBef>
+              <a:buFont typeface="Arial" panose="020B0604020202020204" pitchFamily="34" charset="0"/>
+              <a:buChar char="•"/>
+              <a:defRPr sz="1800" kern="1200">
+                <a:solidFill>
+                  <a:schemeClr val="tx1"/>
+                </a:solidFill>
+                <a:latin typeface="+mn-lt"/>
+                <a:ea typeface="+mn-ea"/>
+                <a:cs typeface="+mn-cs"/>
+              </a:defRPr>
+            </a:lvl9pPr>
+          </a:lstStyle>
+          <a:p>
+            <a:pPr marL="0" indent="0">
+              <a:buFont typeface="Arial" panose="020B0604020202020204" pitchFamily="34" charset="0"/>
+              <a:buNone/>
+            </a:pPr>
+            <a:r>
+              <a:rPr lang="fr-FR" dirty="0"/>
+              <a:t>Communication Orale</a:t>
+            </a:r>
+          </a:p>
+          <a:p>
+            <a:pPr marL="0" indent="0">
+              <a:buFont typeface="Arial" panose="020B0604020202020204" pitchFamily="34" charset="0"/>
+              <a:buNone/>
+            </a:pPr>
+            <a:endParaRPr lang="fr-FR" dirty="0"/>
+          </a:p>
+          <a:p>
+            <a:pPr marL="0" indent="0">
+              <a:buFont typeface="Arial" panose="020B0604020202020204" pitchFamily="34" charset="0"/>
+              <a:buNone/>
+            </a:pPr>
+            <a:endParaRPr lang="fr-FR" dirty="0"/>
+          </a:p>
+          <a:p>
+            <a:pPr marL="0" indent="0">
+              <a:buFont typeface="Arial" panose="020B0604020202020204" pitchFamily="34" charset="0"/>
+              <a:buNone/>
+            </a:pPr>
+            <a:endParaRPr lang="fr-FR" dirty="0"/>
+          </a:p>
+        </p:txBody>
+      </p:sp>
+      <p:sp>
+        <p:nvSpPr>
+          <p:cNvPr id="10" name="Content Placeholder 2">
+            <a:extLst>
+              <a:ext uri="{FF2B5EF4-FFF2-40B4-BE49-F238E27FC236}">
+                <a16:creationId xmlns:a16="http://schemas.microsoft.com/office/drawing/2014/main" id="{DDDF59CF-7CF8-DBEE-7233-9521DCC4B089}"/>
+              </a:ext>
+            </a:extLst>
+          </p:cNvPr>
+          <p:cNvSpPr txBox="1">
+            <a:spLocks/>
+          </p:cNvSpPr>
+          <p:nvPr/>
+        </p:nvSpPr>
+        <p:spPr>
+          <a:xfrm>
+            <a:off x="838200" y="3429000"/>
+            <a:ext cx="10515600" cy="515239"/>
+          </a:xfrm>
+          <a:prstGeom prst="rect">
+            <a:avLst/>
+          </a:prstGeom>
+        </p:spPr>
+        <p:txBody>
+          <a:bodyPr vert="horz" lIns="91440" tIns="45720" rIns="91440" bIns="45720" rtlCol="0">
+            <a:normAutofit/>
+          </a:bodyPr>
+          <a:lstStyle>
+            <a:lvl1pPr marL="228600" indent="-228600" algn="l" defTabSz="914400" rtl="0" eaLnBrk="1" latinLnBrk="0" hangingPunct="1">
+              <a:lnSpc>
+                <a:spcPct val="90000"/>
+              </a:lnSpc>
+              <a:spcBef>
+                <a:spcPts val="1000"/>
+              </a:spcBef>
+              <a:buFont typeface="Arial" panose="020B0604020202020204" pitchFamily="34" charset="0"/>
+              <a:buChar char="•"/>
+              <a:defRPr sz="2800" kern="1200">
+                <a:solidFill>
+                  <a:schemeClr val="tx1"/>
+                </a:solidFill>
+                <a:latin typeface="+mn-lt"/>
+                <a:ea typeface="+mn-ea"/>
+                <a:cs typeface="+mn-cs"/>
+              </a:defRPr>
+            </a:lvl1pPr>
+            <a:lvl2pPr marL="685800" indent="-228600" algn="l" defTabSz="914400" rtl="0" eaLnBrk="1" latinLnBrk="0" hangingPunct="1">
+              <a:lnSpc>
+                <a:spcPct val="90000"/>
+              </a:lnSpc>
+              <a:spcBef>
+                <a:spcPts val="500"/>
+              </a:spcBef>
+              <a:buFont typeface="Arial" panose="020B0604020202020204" pitchFamily="34" charset="0"/>
+              <a:buChar char="•"/>
+              <a:defRPr sz="2400" kern="1200">
+                <a:solidFill>
+                  <a:schemeClr val="tx1"/>
+                </a:solidFill>
+                <a:latin typeface="+mn-lt"/>
+                <a:ea typeface="+mn-ea"/>
+                <a:cs typeface="+mn-cs"/>
+              </a:defRPr>
+            </a:lvl2pPr>
+            <a:lvl3pPr marL="1143000" indent="-228600" algn="l" defTabSz="914400" rtl="0" eaLnBrk="1" latinLnBrk="0" hangingPunct="1">
+              <a:lnSpc>
+                <a:spcPct val="90000"/>
+              </a:lnSpc>
+              <a:spcBef>
+                <a:spcPts val="500"/>
+              </a:spcBef>
+              <a:buFont typeface="Arial" panose="020B0604020202020204" pitchFamily="34" charset="0"/>
+              <a:buChar char="•"/>
+              <a:defRPr sz="2000" kern="1200">
+                <a:solidFill>
+                  <a:schemeClr val="tx1"/>
+                </a:solidFill>
+                <a:latin typeface="+mn-lt"/>
+                <a:ea typeface="+mn-ea"/>
+                <a:cs typeface="+mn-cs"/>
+              </a:defRPr>
+            </a:lvl3pPr>
+            <a:lvl4pPr marL="1600200" indent="-228600" algn="l" defTabSz="914400" rtl="0" eaLnBrk="1" latinLnBrk="0" hangingPunct="1">
+              <a:lnSpc>
+                <a:spcPct val="90000"/>
+              </a:lnSpc>
+              <a:spcBef>
+                <a:spcPts val="500"/>
+              </a:spcBef>
+              <a:buFont typeface="Arial" panose="020B0604020202020204" pitchFamily="34" charset="0"/>
+              <a:buChar char="•"/>
+              <a:defRPr sz="1800" kern="1200">
+                <a:solidFill>
+                  <a:schemeClr val="tx1"/>
+                </a:solidFill>
+                <a:latin typeface="+mn-lt"/>
+                <a:ea typeface="+mn-ea"/>
+                <a:cs typeface="+mn-cs"/>
+              </a:defRPr>
+            </a:lvl4pPr>
+            <a:lvl5pPr marL="2057400" indent="-228600" algn="l" defTabSz="914400" rtl="0" eaLnBrk="1" latinLnBrk="0" hangingPunct="1">
+              <a:lnSpc>
+                <a:spcPct val="90000"/>
+              </a:lnSpc>
+              <a:spcBef>
+                <a:spcPts val="500"/>
+              </a:spcBef>
+              <a:buFont typeface="Arial" panose="020B0604020202020204" pitchFamily="34" charset="0"/>
+              <a:buChar char="•"/>
+              <a:defRPr sz="1800" kern="1200">
+                <a:solidFill>
+                  <a:schemeClr val="tx1"/>
+                </a:solidFill>
+                <a:latin typeface="+mn-lt"/>
+                <a:ea typeface="+mn-ea"/>
+                <a:cs typeface="+mn-cs"/>
+              </a:defRPr>
+            </a:lvl5pPr>
+            <a:lvl6pPr marL="2514600" indent="-228600" algn="l" defTabSz="914400" rtl="0" eaLnBrk="1" latinLnBrk="0" hangingPunct="1">
+              <a:lnSpc>
+                <a:spcPct val="90000"/>
+              </a:lnSpc>
+              <a:spcBef>
+                <a:spcPts val="500"/>
+              </a:spcBef>
+              <a:buFont typeface="Arial" panose="020B0604020202020204" pitchFamily="34" charset="0"/>
+              <a:buChar char="•"/>
+              <a:defRPr sz="1800" kern="1200">
+                <a:solidFill>
+                  <a:schemeClr val="tx1"/>
+                </a:solidFill>
+                <a:latin typeface="+mn-lt"/>
+                <a:ea typeface="+mn-ea"/>
+                <a:cs typeface="+mn-cs"/>
+              </a:defRPr>
+            </a:lvl6pPr>
+            <a:lvl7pPr marL="2971800" indent="-228600" algn="l" defTabSz="914400" rtl="0" eaLnBrk="1" latinLnBrk="0" hangingPunct="1">
+              <a:lnSpc>
+                <a:spcPct val="90000"/>
+              </a:lnSpc>
+              <a:spcBef>
+                <a:spcPts val="500"/>
+              </a:spcBef>
+              <a:buFont typeface="Arial" panose="020B0604020202020204" pitchFamily="34" charset="0"/>
+              <a:buChar char="•"/>
+              <a:defRPr sz="1800" kern="1200">
+                <a:solidFill>
+                  <a:schemeClr val="tx1"/>
+                </a:solidFill>
+                <a:latin typeface="+mn-lt"/>
+                <a:ea typeface="+mn-ea"/>
+                <a:cs typeface="+mn-cs"/>
+              </a:defRPr>
+            </a:lvl7pPr>
+            <a:lvl8pPr marL="3429000" indent="-228600" algn="l" defTabSz="914400" rtl="0" eaLnBrk="1" latinLnBrk="0" hangingPunct="1">
+              <a:lnSpc>
+                <a:spcPct val="90000"/>
+              </a:lnSpc>
+              <a:spcBef>
+                <a:spcPts val="500"/>
+              </a:spcBef>
+              <a:buFont typeface="Arial" panose="020B0604020202020204" pitchFamily="34" charset="0"/>
+              <a:buChar char="•"/>
+              <a:defRPr sz="1800" kern="1200">
+                <a:solidFill>
+                  <a:schemeClr val="tx1"/>
+                </a:solidFill>
+                <a:latin typeface="+mn-lt"/>
+                <a:ea typeface="+mn-ea"/>
+                <a:cs typeface="+mn-cs"/>
+              </a:defRPr>
+            </a:lvl8pPr>
+            <a:lvl9pPr marL="3886200" indent="-228600" algn="l" defTabSz="914400" rtl="0" eaLnBrk="1" latinLnBrk="0" hangingPunct="1">
+              <a:lnSpc>
+                <a:spcPct val="90000"/>
+              </a:lnSpc>
+              <a:spcBef>
+                <a:spcPts val="500"/>
+              </a:spcBef>
+              <a:buFont typeface="Arial" panose="020B0604020202020204" pitchFamily="34" charset="0"/>
+              <a:buChar char="•"/>
+              <a:defRPr sz="1800" kern="1200">
+                <a:solidFill>
+                  <a:schemeClr val="tx1"/>
+                </a:solidFill>
+                <a:latin typeface="+mn-lt"/>
+                <a:ea typeface="+mn-ea"/>
+                <a:cs typeface="+mn-cs"/>
+              </a:defRPr>
+            </a:lvl9pPr>
+          </a:lstStyle>
+          <a:p>
+            <a:pPr marL="0" indent="0">
+              <a:buFont typeface="Arial" panose="020B0604020202020204" pitchFamily="34" charset="0"/>
+              <a:buNone/>
+            </a:pPr>
+            <a:r>
+              <a:rPr lang="fr-FR" dirty="0"/>
+              <a:t>Présentation des Données</a:t>
+            </a:r>
+          </a:p>
+          <a:p>
+            <a:pPr marL="0" indent="0">
+              <a:buFont typeface="Arial" panose="020B0604020202020204" pitchFamily="34" charset="0"/>
+              <a:buNone/>
+            </a:pPr>
+            <a:endParaRPr lang="fr-FR" dirty="0"/>
+          </a:p>
+          <a:p>
+            <a:pPr marL="0" indent="0">
+              <a:buFont typeface="Arial" panose="020B0604020202020204" pitchFamily="34" charset="0"/>
+              <a:buNone/>
+            </a:pPr>
+            <a:endParaRPr lang="fr-FR" dirty="0"/>
+          </a:p>
+        </p:txBody>
+      </p:sp>
+      <p:sp>
+        <p:nvSpPr>
+          <p:cNvPr id="11" name="Content Placeholder 2">
+            <a:extLst>
+              <a:ext uri="{FF2B5EF4-FFF2-40B4-BE49-F238E27FC236}">
+                <a16:creationId xmlns:a16="http://schemas.microsoft.com/office/drawing/2014/main" id="{AD51654B-34E6-A7A0-F3FE-87B891A81B92}"/>
+              </a:ext>
+            </a:extLst>
+          </p:cNvPr>
+          <p:cNvSpPr txBox="1">
+            <a:spLocks/>
+          </p:cNvSpPr>
+          <p:nvPr/>
+        </p:nvSpPr>
+        <p:spPr>
+          <a:xfrm>
+            <a:off x="838200" y="3944239"/>
+            <a:ext cx="10515600" cy="515239"/>
+          </a:xfrm>
+          <a:prstGeom prst="rect">
+            <a:avLst/>
+          </a:prstGeom>
+        </p:spPr>
+        <p:txBody>
+          <a:bodyPr vert="horz" lIns="91440" tIns="45720" rIns="91440" bIns="45720" rtlCol="0">
+            <a:normAutofit/>
+          </a:bodyPr>
+          <a:lstStyle>
+            <a:lvl1pPr marL="228600" indent="-228600" algn="l" defTabSz="914400" rtl="0" eaLnBrk="1" latinLnBrk="0" hangingPunct="1">
+              <a:lnSpc>
+                <a:spcPct val="90000"/>
+              </a:lnSpc>
+              <a:spcBef>
+                <a:spcPts val="1000"/>
+              </a:spcBef>
+              <a:buFont typeface="Arial" panose="020B0604020202020204" pitchFamily="34" charset="0"/>
+              <a:buChar char="•"/>
+              <a:defRPr sz="2800" kern="1200">
+                <a:solidFill>
+                  <a:schemeClr val="tx1"/>
+                </a:solidFill>
+                <a:latin typeface="+mn-lt"/>
+                <a:ea typeface="+mn-ea"/>
+                <a:cs typeface="+mn-cs"/>
+              </a:defRPr>
+            </a:lvl1pPr>
+            <a:lvl2pPr marL="685800" indent="-228600" algn="l" defTabSz="914400" rtl="0" eaLnBrk="1" latinLnBrk="0" hangingPunct="1">
+              <a:lnSpc>
+                <a:spcPct val="90000"/>
+              </a:lnSpc>
+              <a:spcBef>
+                <a:spcPts val="500"/>
+              </a:spcBef>
+              <a:buFont typeface="Arial" panose="020B0604020202020204" pitchFamily="34" charset="0"/>
+              <a:buChar char="•"/>
+              <a:defRPr sz="2400" kern="1200">
+                <a:solidFill>
+                  <a:schemeClr val="tx1"/>
+                </a:solidFill>
+                <a:latin typeface="+mn-lt"/>
+                <a:ea typeface="+mn-ea"/>
+                <a:cs typeface="+mn-cs"/>
+              </a:defRPr>
+            </a:lvl2pPr>
+            <a:lvl3pPr marL="1143000" indent="-228600" algn="l" defTabSz="914400" rtl="0" eaLnBrk="1" latinLnBrk="0" hangingPunct="1">
+              <a:lnSpc>
+                <a:spcPct val="90000"/>
+              </a:lnSpc>
+              <a:spcBef>
+                <a:spcPts val="500"/>
+              </a:spcBef>
+              <a:buFont typeface="Arial" panose="020B0604020202020204" pitchFamily="34" charset="0"/>
+              <a:buChar char="•"/>
+              <a:defRPr sz="2000" kern="1200">
+                <a:solidFill>
+                  <a:schemeClr val="tx1"/>
+                </a:solidFill>
+                <a:latin typeface="+mn-lt"/>
+                <a:ea typeface="+mn-ea"/>
+                <a:cs typeface="+mn-cs"/>
+              </a:defRPr>
+            </a:lvl3pPr>
+            <a:lvl4pPr marL="1600200" indent="-228600" algn="l" defTabSz="914400" rtl="0" eaLnBrk="1" latinLnBrk="0" hangingPunct="1">
+              <a:lnSpc>
+                <a:spcPct val="90000"/>
+              </a:lnSpc>
+              <a:spcBef>
+                <a:spcPts val="500"/>
+              </a:spcBef>
+              <a:buFont typeface="Arial" panose="020B0604020202020204" pitchFamily="34" charset="0"/>
+              <a:buChar char="•"/>
+              <a:defRPr sz="1800" kern="1200">
+                <a:solidFill>
+                  <a:schemeClr val="tx1"/>
+                </a:solidFill>
+                <a:latin typeface="+mn-lt"/>
+                <a:ea typeface="+mn-ea"/>
+                <a:cs typeface="+mn-cs"/>
+              </a:defRPr>
+            </a:lvl4pPr>
+            <a:lvl5pPr marL="2057400" indent="-228600" algn="l" defTabSz="914400" rtl="0" eaLnBrk="1" latinLnBrk="0" hangingPunct="1">
+              <a:lnSpc>
+                <a:spcPct val="90000"/>
+              </a:lnSpc>
+              <a:spcBef>
+                <a:spcPts val="500"/>
+              </a:spcBef>
+              <a:buFont typeface="Arial" panose="020B0604020202020204" pitchFamily="34" charset="0"/>
+              <a:buChar char="•"/>
+              <a:defRPr sz="1800" kern="1200">
+                <a:solidFill>
+                  <a:schemeClr val="tx1"/>
+                </a:solidFill>
+                <a:latin typeface="+mn-lt"/>
+                <a:ea typeface="+mn-ea"/>
+                <a:cs typeface="+mn-cs"/>
+              </a:defRPr>
+            </a:lvl5pPr>
+            <a:lvl6pPr marL="2514600" indent="-228600" algn="l" defTabSz="914400" rtl="0" eaLnBrk="1" latinLnBrk="0" hangingPunct="1">
+              <a:lnSpc>
+                <a:spcPct val="90000"/>
+              </a:lnSpc>
+              <a:spcBef>
+                <a:spcPts val="500"/>
+              </a:spcBef>
+              <a:buFont typeface="Arial" panose="020B0604020202020204" pitchFamily="34" charset="0"/>
+              <a:buChar char="•"/>
+              <a:defRPr sz="1800" kern="1200">
+                <a:solidFill>
+                  <a:schemeClr val="tx1"/>
+                </a:solidFill>
+                <a:latin typeface="+mn-lt"/>
+                <a:ea typeface="+mn-ea"/>
+                <a:cs typeface="+mn-cs"/>
+              </a:defRPr>
+            </a:lvl6pPr>
+            <a:lvl7pPr marL="2971800" indent="-228600" algn="l" defTabSz="914400" rtl="0" eaLnBrk="1" latinLnBrk="0" hangingPunct="1">
+              <a:lnSpc>
+                <a:spcPct val="90000"/>
+              </a:lnSpc>
+              <a:spcBef>
+                <a:spcPts val="500"/>
+              </a:spcBef>
+              <a:buFont typeface="Arial" panose="020B0604020202020204" pitchFamily="34" charset="0"/>
+              <a:buChar char="•"/>
+              <a:defRPr sz="1800" kern="1200">
+                <a:solidFill>
+                  <a:schemeClr val="tx1"/>
+                </a:solidFill>
+                <a:latin typeface="+mn-lt"/>
+                <a:ea typeface="+mn-ea"/>
+                <a:cs typeface="+mn-cs"/>
+              </a:defRPr>
+            </a:lvl7pPr>
+            <a:lvl8pPr marL="3429000" indent="-228600" algn="l" defTabSz="914400" rtl="0" eaLnBrk="1" latinLnBrk="0" hangingPunct="1">
+              <a:lnSpc>
+                <a:spcPct val="90000"/>
+              </a:lnSpc>
+              <a:spcBef>
+                <a:spcPts val="500"/>
+              </a:spcBef>
+              <a:buFont typeface="Arial" panose="020B0604020202020204" pitchFamily="34" charset="0"/>
+              <a:buChar char="•"/>
+              <a:defRPr sz="1800" kern="1200">
+                <a:solidFill>
+                  <a:schemeClr val="tx1"/>
+                </a:solidFill>
+                <a:latin typeface="+mn-lt"/>
+                <a:ea typeface="+mn-ea"/>
+                <a:cs typeface="+mn-cs"/>
+              </a:defRPr>
+            </a:lvl8pPr>
+            <a:lvl9pPr marL="3886200" indent="-228600" algn="l" defTabSz="914400" rtl="0" eaLnBrk="1" latinLnBrk="0" hangingPunct="1">
+              <a:lnSpc>
+                <a:spcPct val="90000"/>
+              </a:lnSpc>
+              <a:spcBef>
+                <a:spcPts val="500"/>
+              </a:spcBef>
+              <a:buFont typeface="Arial" panose="020B0604020202020204" pitchFamily="34" charset="0"/>
+              <a:buChar char="•"/>
+              <a:defRPr sz="1800" kern="1200">
+                <a:solidFill>
+                  <a:schemeClr val="tx1"/>
+                </a:solidFill>
+                <a:latin typeface="+mn-lt"/>
+                <a:ea typeface="+mn-ea"/>
+                <a:cs typeface="+mn-cs"/>
+              </a:defRPr>
+            </a:lvl9pPr>
+          </a:lstStyle>
+          <a:p>
+            <a:pPr marL="0" indent="0">
+              <a:buFont typeface="Arial" panose="020B0604020202020204" pitchFamily="34" charset="0"/>
+              <a:buNone/>
+            </a:pPr>
+            <a:r>
+              <a:rPr lang="fr-FR" dirty="0"/>
+              <a:t>Importance de la Communication Interne</a:t>
+            </a:r>
+          </a:p>
+          <a:p>
+            <a:pPr marL="0" indent="0">
+              <a:buFont typeface="Arial" panose="020B0604020202020204" pitchFamily="34" charset="0"/>
+              <a:buNone/>
+            </a:pPr>
+            <a:endParaRPr lang="fr-FR" dirty="0"/>
+          </a:p>
+          <a:p>
+            <a:pPr marL="0" indent="0">
+              <a:buFont typeface="Arial" panose="020B0604020202020204" pitchFamily="34" charset="0"/>
+              <a:buNone/>
+            </a:pPr>
+            <a:endParaRPr lang="fr-FR" dirty="0"/>
+          </a:p>
+        </p:txBody>
+      </p:sp>
+      <p:sp>
+        <p:nvSpPr>
+          <p:cNvPr id="12" name="Content Placeholder 2">
+            <a:extLst>
+              <a:ext uri="{FF2B5EF4-FFF2-40B4-BE49-F238E27FC236}">
+                <a16:creationId xmlns:a16="http://schemas.microsoft.com/office/drawing/2014/main" id="{380C155C-3D71-3C74-45BF-C90FF180BBE3}"/>
+              </a:ext>
+            </a:extLst>
+          </p:cNvPr>
+          <p:cNvSpPr txBox="1">
+            <a:spLocks/>
+          </p:cNvSpPr>
+          <p:nvPr/>
+        </p:nvSpPr>
+        <p:spPr>
+          <a:xfrm>
+            <a:off x="838200" y="4459478"/>
+            <a:ext cx="10515600" cy="515239"/>
+          </a:xfrm>
+          <a:prstGeom prst="rect">
+            <a:avLst/>
+          </a:prstGeom>
+        </p:spPr>
+        <p:txBody>
+          <a:bodyPr vert="horz" lIns="91440" tIns="45720" rIns="91440" bIns="45720" rtlCol="0">
+            <a:normAutofit/>
+          </a:bodyPr>
+          <a:lstStyle>
+            <a:lvl1pPr marL="228600" indent="-228600" algn="l" defTabSz="914400" rtl="0" eaLnBrk="1" latinLnBrk="0" hangingPunct="1">
+              <a:lnSpc>
+                <a:spcPct val="90000"/>
+              </a:lnSpc>
+              <a:spcBef>
+                <a:spcPts val="1000"/>
+              </a:spcBef>
+              <a:buFont typeface="Arial" panose="020B0604020202020204" pitchFamily="34" charset="0"/>
+              <a:buChar char="•"/>
+              <a:defRPr sz="2800" kern="1200">
+                <a:solidFill>
+                  <a:schemeClr val="tx1"/>
+                </a:solidFill>
+                <a:latin typeface="+mn-lt"/>
+                <a:ea typeface="+mn-ea"/>
+                <a:cs typeface="+mn-cs"/>
+              </a:defRPr>
+            </a:lvl1pPr>
+            <a:lvl2pPr marL="685800" indent="-228600" algn="l" defTabSz="914400" rtl="0" eaLnBrk="1" latinLnBrk="0" hangingPunct="1">
+              <a:lnSpc>
+                <a:spcPct val="90000"/>
+              </a:lnSpc>
+              <a:spcBef>
+                <a:spcPts val="500"/>
+              </a:spcBef>
+              <a:buFont typeface="Arial" panose="020B0604020202020204" pitchFamily="34" charset="0"/>
+              <a:buChar char="•"/>
+              <a:defRPr sz="2400" kern="1200">
+                <a:solidFill>
+                  <a:schemeClr val="tx1"/>
+                </a:solidFill>
+                <a:latin typeface="+mn-lt"/>
+                <a:ea typeface="+mn-ea"/>
+                <a:cs typeface="+mn-cs"/>
+              </a:defRPr>
+            </a:lvl2pPr>
+            <a:lvl3pPr marL="1143000" indent="-228600" algn="l" defTabSz="914400" rtl="0" eaLnBrk="1" latinLnBrk="0" hangingPunct="1">
+              <a:lnSpc>
+                <a:spcPct val="90000"/>
+              </a:lnSpc>
+              <a:spcBef>
+                <a:spcPts val="500"/>
+              </a:spcBef>
+              <a:buFont typeface="Arial" panose="020B0604020202020204" pitchFamily="34" charset="0"/>
+              <a:buChar char="•"/>
+              <a:defRPr sz="2000" kern="1200">
+                <a:solidFill>
+                  <a:schemeClr val="tx1"/>
+                </a:solidFill>
+                <a:latin typeface="+mn-lt"/>
+                <a:ea typeface="+mn-ea"/>
+                <a:cs typeface="+mn-cs"/>
+              </a:defRPr>
+            </a:lvl3pPr>
+            <a:lvl4pPr marL="1600200" indent="-228600" algn="l" defTabSz="914400" rtl="0" eaLnBrk="1" latinLnBrk="0" hangingPunct="1">
+              <a:lnSpc>
+                <a:spcPct val="90000"/>
+              </a:lnSpc>
+              <a:spcBef>
+                <a:spcPts val="500"/>
+              </a:spcBef>
+              <a:buFont typeface="Arial" panose="020B0604020202020204" pitchFamily="34" charset="0"/>
+              <a:buChar char="•"/>
+              <a:defRPr sz="1800" kern="1200">
+                <a:solidFill>
+                  <a:schemeClr val="tx1"/>
+                </a:solidFill>
+                <a:latin typeface="+mn-lt"/>
+                <a:ea typeface="+mn-ea"/>
+                <a:cs typeface="+mn-cs"/>
+              </a:defRPr>
+            </a:lvl4pPr>
+            <a:lvl5pPr marL="2057400" indent="-228600" algn="l" defTabSz="914400" rtl="0" eaLnBrk="1" latinLnBrk="0" hangingPunct="1">
+              <a:lnSpc>
+                <a:spcPct val="90000"/>
+              </a:lnSpc>
+              <a:spcBef>
+                <a:spcPts val="500"/>
+              </a:spcBef>
+              <a:buFont typeface="Arial" panose="020B0604020202020204" pitchFamily="34" charset="0"/>
+              <a:buChar char="•"/>
+              <a:defRPr sz="1800" kern="1200">
+                <a:solidFill>
+                  <a:schemeClr val="tx1"/>
+                </a:solidFill>
+                <a:latin typeface="+mn-lt"/>
+                <a:ea typeface="+mn-ea"/>
+                <a:cs typeface="+mn-cs"/>
+              </a:defRPr>
+            </a:lvl5pPr>
+            <a:lvl6pPr marL="2514600" indent="-228600" algn="l" defTabSz="914400" rtl="0" eaLnBrk="1" latinLnBrk="0" hangingPunct="1">
+              <a:lnSpc>
+                <a:spcPct val="90000"/>
+              </a:lnSpc>
+              <a:spcBef>
+                <a:spcPts val="500"/>
+              </a:spcBef>
+              <a:buFont typeface="Arial" panose="020B0604020202020204" pitchFamily="34" charset="0"/>
+              <a:buChar char="•"/>
+              <a:defRPr sz="1800" kern="1200">
+                <a:solidFill>
+                  <a:schemeClr val="tx1"/>
+                </a:solidFill>
+                <a:latin typeface="+mn-lt"/>
+                <a:ea typeface="+mn-ea"/>
+                <a:cs typeface="+mn-cs"/>
+              </a:defRPr>
+            </a:lvl6pPr>
+            <a:lvl7pPr marL="2971800" indent="-228600" algn="l" defTabSz="914400" rtl="0" eaLnBrk="1" latinLnBrk="0" hangingPunct="1">
+              <a:lnSpc>
+                <a:spcPct val="90000"/>
+              </a:lnSpc>
+              <a:spcBef>
+                <a:spcPts val="500"/>
+              </a:spcBef>
+              <a:buFont typeface="Arial" panose="020B0604020202020204" pitchFamily="34" charset="0"/>
+              <a:buChar char="•"/>
+              <a:defRPr sz="1800" kern="1200">
+                <a:solidFill>
+                  <a:schemeClr val="tx1"/>
+                </a:solidFill>
+                <a:latin typeface="+mn-lt"/>
+                <a:ea typeface="+mn-ea"/>
+                <a:cs typeface="+mn-cs"/>
+              </a:defRPr>
+            </a:lvl7pPr>
+            <a:lvl8pPr marL="3429000" indent="-228600" algn="l" defTabSz="914400" rtl="0" eaLnBrk="1" latinLnBrk="0" hangingPunct="1">
+              <a:lnSpc>
+                <a:spcPct val="90000"/>
+              </a:lnSpc>
+              <a:spcBef>
+                <a:spcPts val="500"/>
+              </a:spcBef>
+              <a:buFont typeface="Arial" panose="020B0604020202020204" pitchFamily="34" charset="0"/>
+              <a:buChar char="•"/>
+              <a:defRPr sz="1800" kern="1200">
+                <a:solidFill>
+                  <a:schemeClr val="tx1"/>
+                </a:solidFill>
+                <a:latin typeface="+mn-lt"/>
+                <a:ea typeface="+mn-ea"/>
+                <a:cs typeface="+mn-cs"/>
+              </a:defRPr>
+            </a:lvl8pPr>
+            <a:lvl9pPr marL="3886200" indent="-228600" algn="l" defTabSz="914400" rtl="0" eaLnBrk="1" latinLnBrk="0" hangingPunct="1">
+              <a:lnSpc>
+                <a:spcPct val="90000"/>
+              </a:lnSpc>
+              <a:spcBef>
+                <a:spcPts val="500"/>
+              </a:spcBef>
+              <a:buFont typeface="Arial" panose="020B0604020202020204" pitchFamily="34" charset="0"/>
+              <a:buChar char="•"/>
+              <a:defRPr sz="1800" kern="1200">
+                <a:solidFill>
+                  <a:schemeClr val="tx1"/>
+                </a:solidFill>
+                <a:latin typeface="+mn-lt"/>
+                <a:ea typeface="+mn-ea"/>
+                <a:cs typeface="+mn-cs"/>
+              </a:defRPr>
+            </a:lvl9pPr>
+          </a:lstStyle>
+          <a:p>
+            <a:pPr marL="0" indent="0">
+              <a:buFont typeface="Arial" panose="020B0604020202020204" pitchFamily="34" charset="0"/>
+              <a:buNone/>
+            </a:pPr>
+            <a:r>
+              <a:rPr lang="fr-FR" dirty="0"/>
+              <a:t>Conclusion</a:t>
+            </a:r>
+          </a:p>
+          <a:p>
+            <a:pPr marL="0" indent="0">
+              <a:buFont typeface="Arial" panose="020B0604020202020204" pitchFamily="34" charset="0"/>
+              <a:buNone/>
+            </a:pPr>
+            <a:endParaRPr lang="fr-FR" dirty="0"/>
           </a:p>
         </p:txBody>
       </p:sp>
@@ -3514,6 +4630,772 @@
     <p:extLst>
       <p:ext uri="{BB962C8B-B14F-4D97-AF65-F5344CB8AC3E}">
         <p14:creationId xmlns:p14="http://schemas.microsoft.com/office/powerpoint/2010/main" val="3807380042"/>
+      </p:ext>
+    </p:extLst>
+  </p:cSld>
+  <p:clrMapOvr>
+    <a:masterClrMapping/>
+  </p:clrMapOvr>
+</p:sld>
+</file>
+
+<file path=ppt/slides/slide3.xml><?xml version="1.0" encoding="utf-8"?>
+<p:sld xmlns:a="http://schemas.openxmlformats.org/drawingml/2006/main" xmlns:r="http://schemas.openxmlformats.org/officeDocument/2006/relationships" xmlns:p="http://schemas.openxmlformats.org/presentationml/2006/main">
+  <p:cSld>
+    <p:spTree>
+      <p:nvGrpSpPr>
+        <p:cNvPr id="1" name=""/>
+        <p:cNvGrpSpPr/>
+        <p:nvPr/>
+      </p:nvGrpSpPr>
+      <p:grpSpPr>
+        <a:xfrm>
+          <a:off x="0" y="0"/>
+          <a:ext cx="0" cy="0"/>
+          <a:chOff x="0" y="0"/>
+          <a:chExt cx="0" cy="0"/>
+        </a:xfrm>
+      </p:grpSpPr>
+      <p:sp>
+        <p:nvSpPr>
+          <p:cNvPr id="2" name="Title 1">
+            <a:extLst>
+              <a:ext uri="{FF2B5EF4-FFF2-40B4-BE49-F238E27FC236}">
+                <a16:creationId xmlns:a16="http://schemas.microsoft.com/office/drawing/2014/main" id="{0EEE8F44-087B-7DEF-7296-5AE98781C27E}"/>
+              </a:ext>
+            </a:extLst>
+          </p:cNvPr>
+          <p:cNvSpPr>
+            <a:spLocks noGrp="1"/>
+          </p:cNvSpPr>
+          <p:nvPr>
+            <p:ph type="title"/>
+          </p:nvPr>
+        </p:nvSpPr>
+        <p:spPr/>
+        <p:txBody>
+          <a:bodyPr/>
+          <a:lstStyle/>
+          <a:p>
+            <a:r>
+              <a:rPr lang="fr-FR" dirty="0"/>
+              <a:t>Introduction</a:t>
+            </a:r>
+          </a:p>
+        </p:txBody>
+      </p:sp>
+      <p:sp>
+        <p:nvSpPr>
+          <p:cNvPr id="3" name="Content Placeholder 2">
+            <a:extLst>
+              <a:ext uri="{FF2B5EF4-FFF2-40B4-BE49-F238E27FC236}">
+                <a16:creationId xmlns:a16="http://schemas.microsoft.com/office/drawing/2014/main" id="{3144D2BA-8D9A-4195-CF24-8E41A781E8CC}"/>
+              </a:ext>
+            </a:extLst>
+          </p:cNvPr>
+          <p:cNvSpPr>
+            <a:spLocks noGrp="1"/>
+          </p:cNvSpPr>
+          <p:nvPr>
+            <p:ph idx="1"/>
+          </p:nvPr>
+        </p:nvSpPr>
+        <p:spPr/>
+        <p:txBody>
+          <a:bodyPr/>
+          <a:lstStyle/>
+          <a:p>
+            <a:r>
+              <a:rPr lang="fr-FR" dirty="0"/>
+              <a:t>La communication interne est le pilier de la cohésion et de la réussite au sein d'une organisation.</a:t>
+            </a:r>
+          </a:p>
+          <a:p>
+            <a:r>
+              <a:rPr lang="fr-FR" dirty="0"/>
+              <a:t>Elle englobe diverses formes de communication, y compris la communication écrite, orale et la présentation des données.</a:t>
+            </a:r>
+          </a:p>
+          <a:p>
+            <a:r>
+              <a:rPr lang="fr-FR" dirty="0"/>
+              <a:t>Dans cette présentation, nous explorerons ces aspects et leur importance dans le contexte de l'entreprise moderne.</a:t>
+            </a:r>
+          </a:p>
+          <a:p>
+            <a:pPr marL="0" indent="0">
+              <a:buNone/>
+            </a:pPr>
+            <a:endParaRPr lang="fr-FR" dirty="0"/>
+          </a:p>
+        </p:txBody>
+      </p:sp>
+    </p:spTree>
+    <p:extLst>
+      <p:ext uri="{BB962C8B-B14F-4D97-AF65-F5344CB8AC3E}">
+        <p14:creationId xmlns:p14="http://schemas.microsoft.com/office/powerpoint/2010/main" val="697562600"/>
+      </p:ext>
+    </p:extLst>
+  </p:cSld>
+  <p:clrMapOvr>
+    <a:masterClrMapping/>
+  </p:clrMapOvr>
+</p:sld>
+</file>
+
+<file path=ppt/slides/slide4.xml><?xml version="1.0" encoding="utf-8"?>
+<p:sld xmlns:a="http://schemas.openxmlformats.org/drawingml/2006/main" xmlns:r="http://schemas.openxmlformats.org/officeDocument/2006/relationships" xmlns:p="http://schemas.openxmlformats.org/presentationml/2006/main">
+  <p:cSld>
+    <p:spTree>
+      <p:nvGrpSpPr>
+        <p:cNvPr id="1" name=""/>
+        <p:cNvGrpSpPr/>
+        <p:nvPr/>
+      </p:nvGrpSpPr>
+      <p:grpSpPr>
+        <a:xfrm>
+          <a:off x="0" y="0"/>
+          <a:ext cx="0" cy="0"/>
+          <a:chOff x="0" y="0"/>
+          <a:chExt cx="0" cy="0"/>
+        </a:xfrm>
+      </p:grpSpPr>
+      <p:sp>
+        <p:nvSpPr>
+          <p:cNvPr id="2" name="Title 1">
+            <a:extLst>
+              <a:ext uri="{FF2B5EF4-FFF2-40B4-BE49-F238E27FC236}">
+                <a16:creationId xmlns:a16="http://schemas.microsoft.com/office/drawing/2014/main" id="{1B89F5AF-17B8-3131-F32B-353FCD5E28A3}"/>
+              </a:ext>
+            </a:extLst>
+          </p:cNvPr>
+          <p:cNvSpPr>
+            <a:spLocks noGrp="1"/>
+          </p:cNvSpPr>
+          <p:nvPr>
+            <p:ph type="title"/>
+          </p:nvPr>
+        </p:nvSpPr>
+        <p:spPr/>
+        <p:txBody>
+          <a:bodyPr/>
+          <a:lstStyle/>
+          <a:p>
+            <a:r>
+              <a:rPr lang="fr-FR" dirty="0"/>
+              <a:t>Communication Écrite</a:t>
+            </a:r>
+          </a:p>
+        </p:txBody>
+      </p:sp>
+      <p:sp>
+        <p:nvSpPr>
+          <p:cNvPr id="3" name="Content Placeholder 2">
+            <a:extLst>
+              <a:ext uri="{FF2B5EF4-FFF2-40B4-BE49-F238E27FC236}">
+                <a16:creationId xmlns:a16="http://schemas.microsoft.com/office/drawing/2014/main" id="{7CFC37B3-CE64-01E3-D394-45259121F5AC}"/>
+              </a:ext>
+            </a:extLst>
+          </p:cNvPr>
+          <p:cNvSpPr>
+            <a:spLocks noGrp="1"/>
+          </p:cNvSpPr>
+          <p:nvPr>
+            <p:ph idx="1"/>
+          </p:nvPr>
+        </p:nvSpPr>
+        <p:spPr/>
+        <p:txBody>
+          <a:bodyPr/>
+          <a:lstStyle/>
+          <a:p>
+            <a:pPr marL="514350" indent="-514350">
+              <a:buFont typeface="+mj-lt"/>
+              <a:buAutoNum type="arabicPeriod"/>
+            </a:pPr>
+            <a:r>
+              <a:rPr lang="fr-FR" dirty="0"/>
+              <a:t>E-mails et Messagerie Interne</a:t>
+            </a:r>
+          </a:p>
+          <a:p>
+            <a:pPr lvl="1"/>
+            <a:r>
+              <a:rPr lang="fr-FR" dirty="0"/>
+              <a:t>Les e-mails sont l'un des moyens les plus courants de communication écrite en entreprise.</a:t>
+            </a:r>
+          </a:p>
+          <a:p>
+            <a:pPr lvl="1"/>
+            <a:r>
+              <a:rPr lang="fr-FR" dirty="0"/>
+              <a:t>Ils doivent être clairs, concis et professionnels pour éviter toute confusion.</a:t>
+            </a:r>
+          </a:p>
+          <a:p>
+            <a:pPr lvl="1"/>
+            <a:r>
+              <a:rPr lang="fr-FR" dirty="0"/>
+              <a:t>La messagerie interne permet une communication rapide et efficace au sein de l'organisation.</a:t>
+            </a:r>
+          </a:p>
+          <a:p>
+            <a:pPr marL="514350" indent="-514350">
+              <a:buFont typeface="+mj-lt"/>
+              <a:buAutoNum type="arabicPeriod"/>
+            </a:pPr>
+            <a:r>
+              <a:rPr lang="fr-FR" dirty="0"/>
+              <a:t>Documentation et Rapports</a:t>
+            </a:r>
+          </a:p>
+          <a:p>
+            <a:pPr lvl="1"/>
+            <a:r>
+              <a:rPr lang="fr-FR" dirty="0"/>
+              <a:t>La documentation précise est essentielle pour conserver des enregistrements et partager des informations importantes.</a:t>
+            </a:r>
+          </a:p>
+          <a:p>
+            <a:pPr lvl="1"/>
+            <a:r>
+              <a:rPr lang="fr-FR" dirty="0"/>
+              <a:t>Les rapports bien structurés aident à prendre des décisions éclairées.</a:t>
+            </a:r>
+          </a:p>
+        </p:txBody>
+      </p:sp>
+    </p:spTree>
+    <p:extLst>
+      <p:ext uri="{BB962C8B-B14F-4D97-AF65-F5344CB8AC3E}">
+        <p14:creationId xmlns:p14="http://schemas.microsoft.com/office/powerpoint/2010/main" val="3226302325"/>
+      </p:ext>
+    </p:extLst>
+  </p:cSld>
+  <p:clrMapOvr>
+    <a:masterClrMapping/>
+  </p:clrMapOvr>
+</p:sld>
+</file>
+
+<file path=ppt/slides/slide5.xml><?xml version="1.0" encoding="utf-8"?>
+<p:sld xmlns:a="http://schemas.openxmlformats.org/drawingml/2006/main" xmlns:r="http://schemas.openxmlformats.org/officeDocument/2006/relationships" xmlns:p="http://schemas.openxmlformats.org/presentationml/2006/main">
+  <p:cSld>
+    <p:spTree>
+      <p:nvGrpSpPr>
+        <p:cNvPr id="1" name=""/>
+        <p:cNvGrpSpPr/>
+        <p:nvPr/>
+      </p:nvGrpSpPr>
+      <p:grpSpPr>
+        <a:xfrm>
+          <a:off x="0" y="0"/>
+          <a:ext cx="0" cy="0"/>
+          <a:chOff x="0" y="0"/>
+          <a:chExt cx="0" cy="0"/>
+        </a:xfrm>
+      </p:grpSpPr>
+      <p:sp>
+        <p:nvSpPr>
+          <p:cNvPr id="2" name="Title 1">
+            <a:extLst>
+              <a:ext uri="{FF2B5EF4-FFF2-40B4-BE49-F238E27FC236}">
+                <a16:creationId xmlns:a16="http://schemas.microsoft.com/office/drawing/2014/main" id="{C9ADADA3-B86D-8606-8507-14FE95C90ADB}"/>
+              </a:ext>
+            </a:extLst>
+          </p:cNvPr>
+          <p:cNvSpPr>
+            <a:spLocks noGrp="1"/>
+          </p:cNvSpPr>
+          <p:nvPr>
+            <p:ph type="title"/>
+          </p:nvPr>
+        </p:nvSpPr>
+        <p:spPr/>
+        <p:txBody>
+          <a:bodyPr/>
+          <a:lstStyle/>
+          <a:p>
+            <a:r>
+              <a:rPr lang="fr-FR" dirty="0"/>
+              <a:t>Communication Orale</a:t>
+            </a:r>
+          </a:p>
+        </p:txBody>
+      </p:sp>
+      <p:sp>
+        <p:nvSpPr>
+          <p:cNvPr id="3" name="Content Placeholder 2">
+            <a:extLst>
+              <a:ext uri="{FF2B5EF4-FFF2-40B4-BE49-F238E27FC236}">
+                <a16:creationId xmlns:a16="http://schemas.microsoft.com/office/drawing/2014/main" id="{896C6D20-5001-717A-4443-4A6EEE608A87}"/>
+              </a:ext>
+            </a:extLst>
+          </p:cNvPr>
+          <p:cNvSpPr>
+            <a:spLocks noGrp="1"/>
+          </p:cNvSpPr>
+          <p:nvPr>
+            <p:ph idx="1"/>
+          </p:nvPr>
+        </p:nvSpPr>
+        <p:spPr/>
+        <p:txBody>
+          <a:bodyPr/>
+          <a:lstStyle/>
+          <a:p>
+            <a:pPr marL="514350" indent="-514350">
+              <a:buFont typeface="+mj-lt"/>
+              <a:buAutoNum type="arabicPeriod"/>
+            </a:pPr>
+            <a:r>
+              <a:rPr lang="fr-FR" dirty="0"/>
+              <a:t>Réunions</a:t>
+            </a:r>
+          </a:p>
+          <a:p>
+            <a:pPr lvl="1"/>
+            <a:r>
+              <a:rPr lang="fr-FR" dirty="0"/>
+              <a:t>Les réunions sont l'occasion de discuter de sujets importants en temps réel.</a:t>
+            </a:r>
+          </a:p>
+          <a:p>
+            <a:pPr lvl="1"/>
+            <a:r>
+              <a:rPr lang="fr-FR" dirty="0"/>
+              <a:t>Une communication orale efficace nécessite une écoute active et une participation de tous les membres.</a:t>
+            </a:r>
+          </a:p>
+          <a:p>
+            <a:pPr marL="514350" indent="-514350">
+              <a:buFont typeface="+mj-lt"/>
+              <a:buAutoNum type="arabicPeriod"/>
+            </a:pPr>
+            <a:r>
+              <a:rPr lang="fr-FR" dirty="0"/>
+              <a:t>Présentations</a:t>
+            </a:r>
+          </a:p>
+          <a:p>
+            <a:pPr lvl="1"/>
+            <a:r>
+              <a:rPr lang="fr-FR" dirty="0"/>
+              <a:t>Les présentations sont un moyen puissant de transmettre des informations complexes.</a:t>
+            </a:r>
+          </a:p>
+          <a:p>
+            <a:pPr lvl="1"/>
+            <a:r>
+              <a:rPr lang="fr-FR" dirty="0"/>
+              <a:t>Elles exigent une préparation minutieuse, une narration claire et un visuel attrayant.</a:t>
+            </a:r>
+          </a:p>
+        </p:txBody>
+      </p:sp>
+    </p:spTree>
+    <p:extLst>
+      <p:ext uri="{BB962C8B-B14F-4D97-AF65-F5344CB8AC3E}">
+        <p14:creationId xmlns:p14="http://schemas.microsoft.com/office/powerpoint/2010/main" val="1868706574"/>
+      </p:ext>
+    </p:extLst>
+  </p:cSld>
+  <p:clrMapOvr>
+    <a:masterClrMapping/>
+  </p:clrMapOvr>
+</p:sld>
+</file>
+
+<file path=ppt/slides/slide6.xml><?xml version="1.0" encoding="utf-8"?>
+<p:sld xmlns:a="http://schemas.openxmlformats.org/drawingml/2006/main" xmlns:r="http://schemas.openxmlformats.org/officeDocument/2006/relationships" xmlns:p="http://schemas.openxmlformats.org/presentationml/2006/main">
+  <p:cSld>
+    <p:spTree>
+      <p:nvGrpSpPr>
+        <p:cNvPr id="1" name=""/>
+        <p:cNvGrpSpPr/>
+        <p:nvPr/>
+      </p:nvGrpSpPr>
+      <p:grpSpPr>
+        <a:xfrm>
+          <a:off x="0" y="0"/>
+          <a:ext cx="0" cy="0"/>
+          <a:chOff x="0" y="0"/>
+          <a:chExt cx="0" cy="0"/>
+        </a:xfrm>
+      </p:grpSpPr>
+      <p:sp>
+        <p:nvSpPr>
+          <p:cNvPr id="2" name="Title 1">
+            <a:extLst>
+              <a:ext uri="{FF2B5EF4-FFF2-40B4-BE49-F238E27FC236}">
+                <a16:creationId xmlns:a16="http://schemas.microsoft.com/office/drawing/2014/main" id="{6006A2BE-8887-2F33-FBF7-60A6C795FD6C}"/>
+              </a:ext>
+            </a:extLst>
+          </p:cNvPr>
+          <p:cNvSpPr>
+            <a:spLocks noGrp="1"/>
+          </p:cNvSpPr>
+          <p:nvPr>
+            <p:ph type="title"/>
+          </p:nvPr>
+        </p:nvSpPr>
+        <p:spPr/>
+        <p:txBody>
+          <a:bodyPr/>
+          <a:lstStyle/>
+          <a:p>
+            <a:r>
+              <a:rPr lang="fr-FR" dirty="0"/>
+              <a:t>Présentation des Données</a:t>
+            </a:r>
+          </a:p>
+        </p:txBody>
+      </p:sp>
+      <p:sp>
+        <p:nvSpPr>
+          <p:cNvPr id="3" name="Content Placeholder 2">
+            <a:extLst>
+              <a:ext uri="{FF2B5EF4-FFF2-40B4-BE49-F238E27FC236}">
+                <a16:creationId xmlns:a16="http://schemas.microsoft.com/office/drawing/2014/main" id="{5F62D42E-DC96-B177-31C9-46C94CBE5138}"/>
+              </a:ext>
+            </a:extLst>
+          </p:cNvPr>
+          <p:cNvSpPr>
+            <a:spLocks noGrp="1"/>
+          </p:cNvSpPr>
+          <p:nvPr>
+            <p:ph idx="1"/>
+          </p:nvPr>
+        </p:nvSpPr>
+        <p:spPr/>
+        <p:txBody>
+          <a:bodyPr/>
+          <a:lstStyle/>
+          <a:p>
+            <a:pPr marL="514350" indent="-514350">
+              <a:buFont typeface="+mj-lt"/>
+              <a:buAutoNum type="arabicPeriod"/>
+            </a:pPr>
+            <a:r>
+              <a:rPr lang="fr-FR" dirty="0"/>
+              <a:t>Tableaux de Bord et Graphiques</a:t>
+            </a:r>
+          </a:p>
+          <a:p>
+            <a:pPr lvl="1"/>
+            <a:r>
+              <a:rPr lang="fr-FR" dirty="0"/>
+              <a:t>Les données doivent être présentées de manière visuellement attrayante pour une compréhension rapide.</a:t>
+            </a:r>
+          </a:p>
+          <a:p>
+            <a:pPr lvl="1"/>
+            <a:r>
+              <a:rPr lang="fr-FR" dirty="0"/>
+              <a:t>Les tableaux de bord fournissent une vue d'ensemble des performances organisationnelles.</a:t>
+            </a:r>
+          </a:p>
+          <a:p>
+            <a:pPr marL="514350" indent="-514350">
+              <a:buFont typeface="+mj-lt"/>
+              <a:buAutoNum type="arabicPeriod"/>
+            </a:pPr>
+            <a:r>
+              <a:rPr lang="fr-FR" dirty="0"/>
+              <a:t>Rapports Analytiques</a:t>
+            </a:r>
+          </a:p>
+          <a:p>
+            <a:pPr lvl="1"/>
+            <a:r>
+              <a:rPr lang="fr-FR" dirty="0"/>
+              <a:t>Les rapports analytiques permettent de prendre des décisions éclairées en s'appuyant sur des données.</a:t>
+            </a:r>
+          </a:p>
+          <a:p>
+            <a:pPr lvl="1"/>
+            <a:r>
+              <a:rPr lang="fr-FR" dirty="0"/>
+              <a:t>Ils doivent être précis, objectifs et basés sur des informations fiables.</a:t>
+            </a:r>
+          </a:p>
+        </p:txBody>
+      </p:sp>
+    </p:spTree>
+    <p:extLst>
+      <p:ext uri="{BB962C8B-B14F-4D97-AF65-F5344CB8AC3E}">
+        <p14:creationId xmlns:p14="http://schemas.microsoft.com/office/powerpoint/2010/main" val="2603996250"/>
+      </p:ext>
+    </p:extLst>
+  </p:cSld>
+  <p:clrMapOvr>
+    <a:masterClrMapping/>
+  </p:clrMapOvr>
+</p:sld>
+</file>
+
+<file path=ppt/slides/slide7.xml><?xml version="1.0" encoding="utf-8"?>
+<p:sld xmlns:a="http://schemas.openxmlformats.org/drawingml/2006/main" xmlns:r="http://schemas.openxmlformats.org/officeDocument/2006/relationships" xmlns:p="http://schemas.openxmlformats.org/presentationml/2006/main">
+  <p:cSld>
+    <p:spTree>
+      <p:nvGrpSpPr>
+        <p:cNvPr id="1" name=""/>
+        <p:cNvGrpSpPr/>
+        <p:nvPr/>
+      </p:nvGrpSpPr>
+      <p:grpSpPr>
+        <a:xfrm>
+          <a:off x="0" y="0"/>
+          <a:ext cx="0" cy="0"/>
+          <a:chOff x="0" y="0"/>
+          <a:chExt cx="0" cy="0"/>
+        </a:xfrm>
+      </p:grpSpPr>
+      <p:sp>
+        <p:nvSpPr>
+          <p:cNvPr id="2" name="Title 1">
+            <a:extLst>
+              <a:ext uri="{FF2B5EF4-FFF2-40B4-BE49-F238E27FC236}">
+                <a16:creationId xmlns:a16="http://schemas.microsoft.com/office/drawing/2014/main" id="{C063777F-5BEE-0599-7E38-CC992FBFCE04}"/>
+              </a:ext>
+            </a:extLst>
+          </p:cNvPr>
+          <p:cNvSpPr>
+            <a:spLocks noGrp="1"/>
+          </p:cNvSpPr>
+          <p:nvPr>
+            <p:ph type="title"/>
+          </p:nvPr>
+        </p:nvSpPr>
+        <p:spPr/>
+        <p:txBody>
+          <a:bodyPr/>
+          <a:lstStyle/>
+          <a:p>
+            <a:r>
+              <a:rPr lang="fr-FR" dirty="0"/>
+              <a:t>Importance de la Communication Interne</a:t>
+            </a:r>
+          </a:p>
+        </p:txBody>
+      </p:sp>
+      <p:sp>
+        <p:nvSpPr>
+          <p:cNvPr id="3" name="Content Placeholder 2">
+            <a:extLst>
+              <a:ext uri="{FF2B5EF4-FFF2-40B4-BE49-F238E27FC236}">
+                <a16:creationId xmlns:a16="http://schemas.microsoft.com/office/drawing/2014/main" id="{F69EE5C7-AEF2-2506-7013-1A47EE48EC4A}"/>
+              </a:ext>
+            </a:extLst>
+          </p:cNvPr>
+          <p:cNvSpPr>
+            <a:spLocks noGrp="1"/>
+          </p:cNvSpPr>
+          <p:nvPr>
+            <p:ph idx="1"/>
+          </p:nvPr>
+        </p:nvSpPr>
+        <p:spPr/>
+        <p:txBody>
+          <a:bodyPr/>
+          <a:lstStyle/>
+          <a:p>
+            <a:r>
+              <a:rPr lang="fr-FR" dirty="0"/>
+              <a:t>Améliore la collaboration entre les équipes.</a:t>
+            </a:r>
+          </a:p>
+          <a:p>
+            <a:r>
+              <a:rPr lang="fr-FR" dirty="0"/>
+              <a:t>Augmente la transparence et la confiance au sein de l'organisation.</a:t>
+            </a:r>
+          </a:p>
+          <a:p>
+            <a:r>
+              <a:rPr lang="fr-FR" dirty="0"/>
+              <a:t>Favorise l'alignement des objectifs et des valeurs.</a:t>
+            </a:r>
+          </a:p>
+          <a:p>
+            <a:r>
+              <a:rPr lang="fr-FR" dirty="0"/>
+              <a:t>Stimule l'innovation et la créativité.</a:t>
+            </a:r>
+          </a:p>
+          <a:p>
+            <a:r>
+              <a:rPr lang="fr-FR" dirty="0"/>
+              <a:t>Contribue à la rétention des employés et à la satisfaction.</a:t>
+            </a:r>
+          </a:p>
+        </p:txBody>
+      </p:sp>
+    </p:spTree>
+    <p:extLst>
+      <p:ext uri="{BB962C8B-B14F-4D97-AF65-F5344CB8AC3E}">
+        <p14:creationId xmlns:p14="http://schemas.microsoft.com/office/powerpoint/2010/main" val="3711270690"/>
+      </p:ext>
+    </p:extLst>
+  </p:cSld>
+  <p:clrMapOvr>
+    <a:masterClrMapping/>
+  </p:clrMapOvr>
+</p:sld>
+</file>
+
+<file path=ppt/slides/slide8.xml><?xml version="1.0" encoding="utf-8"?>
+<p:sld xmlns:a="http://schemas.openxmlformats.org/drawingml/2006/main" xmlns:r="http://schemas.openxmlformats.org/officeDocument/2006/relationships" xmlns:p="http://schemas.openxmlformats.org/presentationml/2006/main">
+  <p:cSld>
+    <p:spTree>
+      <p:nvGrpSpPr>
+        <p:cNvPr id="1" name=""/>
+        <p:cNvGrpSpPr/>
+        <p:nvPr/>
+      </p:nvGrpSpPr>
+      <p:grpSpPr>
+        <a:xfrm>
+          <a:off x="0" y="0"/>
+          <a:ext cx="0" cy="0"/>
+          <a:chOff x="0" y="0"/>
+          <a:chExt cx="0" cy="0"/>
+        </a:xfrm>
+      </p:grpSpPr>
+      <p:sp>
+        <p:nvSpPr>
+          <p:cNvPr id="2" name="Title 1">
+            <a:extLst>
+              <a:ext uri="{FF2B5EF4-FFF2-40B4-BE49-F238E27FC236}">
+                <a16:creationId xmlns:a16="http://schemas.microsoft.com/office/drawing/2014/main" id="{F0993299-347D-5F9D-D49F-460F7D7A8024}"/>
+              </a:ext>
+            </a:extLst>
+          </p:cNvPr>
+          <p:cNvSpPr>
+            <a:spLocks noGrp="1"/>
+          </p:cNvSpPr>
+          <p:nvPr>
+            <p:ph type="title"/>
+          </p:nvPr>
+        </p:nvSpPr>
+        <p:spPr/>
+        <p:txBody>
+          <a:bodyPr/>
+          <a:lstStyle/>
+          <a:p>
+            <a:r>
+              <a:rPr lang="fr-FR" dirty="0"/>
+              <a:t>Conclusion</a:t>
+            </a:r>
+          </a:p>
+        </p:txBody>
+      </p:sp>
+      <p:sp>
+        <p:nvSpPr>
+          <p:cNvPr id="3" name="Content Placeholder 2">
+            <a:extLst>
+              <a:ext uri="{FF2B5EF4-FFF2-40B4-BE49-F238E27FC236}">
+                <a16:creationId xmlns:a16="http://schemas.microsoft.com/office/drawing/2014/main" id="{B028C360-69E2-0919-6F00-2BE6B86A4841}"/>
+              </a:ext>
+            </a:extLst>
+          </p:cNvPr>
+          <p:cNvSpPr>
+            <a:spLocks noGrp="1"/>
+          </p:cNvSpPr>
+          <p:nvPr>
+            <p:ph idx="1"/>
+          </p:nvPr>
+        </p:nvSpPr>
+        <p:spPr/>
+        <p:txBody>
+          <a:bodyPr/>
+          <a:lstStyle/>
+          <a:p>
+            <a:r>
+              <a:rPr lang="fr-FR" dirty="0"/>
+              <a:t>La communication interne est un pilier essentiel de la réussite organisationnelle.</a:t>
+            </a:r>
+          </a:p>
+          <a:p>
+            <a:r>
+              <a:rPr lang="fr-FR" dirty="0"/>
+              <a:t>Elle englobe la communication écrite, orale et la présentation des données.</a:t>
+            </a:r>
+          </a:p>
+          <a:p>
+            <a:r>
+              <a:rPr lang="fr-FR" dirty="0"/>
+              <a:t>En investissant dans une communication interne efficace, les entreprises peuvent améliorer leur performance, leur culture et leur croissance.</a:t>
+            </a:r>
+          </a:p>
+        </p:txBody>
+      </p:sp>
+    </p:spTree>
+    <p:extLst>
+      <p:ext uri="{BB962C8B-B14F-4D97-AF65-F5344CB8AC3E}">
+        <p14:creationId xmlns:p14="http://schemas.microsoft.com/office/powerpoint/2010/main" val="43950046"/>
+      </p:ext>
+    </p:extLst>
+  </p:cSld>
+  <p:clrMapOvr>
+    <a:masterClrMapping/>
+  </p:clrMapOvr>
+</p:sld>
+</file>
+
+<file path=ppt/slides/slide9.xml><?xml version="1.0" encoding="utf-8"?>
+<p:sld xmlns:a="http://schemas.openxmlformats.org/drawingml/2006/main" xmlns:r="http://schemas.openxmlformats.org/officeDocument/2006/relationships" xmlns:p="http://schemas.openxmlformats.org/presentationml/2006/main">
+  <p:cSld>
+    <p:spTree>
+      <p:nvGrpSpPr>
+        <p:cNvPr id="1" name=""/>
+        <p:cNvGrpSpPr/>
+        <p:nvPr/>
+      </p:nvGrpSpPr>
+      <p:grpSpPr>
+        <a:xfrm>
+          <a:off x="0" y="0"/>
+          <a:ext cx="0" cy="0"/>
+          <a:chOff x="0" y="0"/>
+          <a:chExt cx="0" cy="0"/>
+        </a:xfrm>
+      </p:grpSpPr>
+      <p:sp>
+        <p:nvSpPr>
+          <p:cNvPr id="2" name="Title 1">
+            <a:extLst>
+              <a:ext uri="{FF2B5EF4-FFF2-40B4-BE49-F238E27FC236}">
+                <a16:creationId xmlns:a16="http://schemas.microsoft.com/office/drawing/2014/main" id="{230BA59C-F4FC-DBA9-9753-9B1664BE1D23}"/>
+              </a:ext>
+            </a:extLst>
+          </p:cNvPr>
+          <p:cNvSpPr>
+            <a:spLocks noGrp="1"/>
+          </p:cNvSpPr>
+          <p:nvPr>
+            <p:ph type="ctrTitle"/>
+          </p:nvPr>
+        </p:nvSpPr>
+        <p:spPr>
+          <a:xfrm>
+            <a:off x="1524000" y="2965608"/>
+            <a:ext cx="9144000" cy="926783"/>
+          </a:xfrm>
+        </p:spPr>
+        <p:txBody>
+          <a:bodyPr anchor="ctr"/>
+          <a:lstStyle/>
+          <a:p>
+            <a:r>
+              <a:rPr lang="fr-FR" dirty="0"/>
+              <a:t>Questions ?</a:t>
+            </a:r>
+          </a:p>
+        </p:txBody>
+      </p:sp>
+    </p:spTree>
+    <p:extLst>
+      <p:ext uri="{BB962C8B-B14F-4D97-AF65-F5344CB8AC3E}">
+        <p14:creationId xmlns:p14="http://schemas.microsoft.com/office/powerpoint/2010/main" val="2187889632"/>
       </p:ext>
     </p:extLst>
   </p:cSld>
